--- a/Slides/Lesson 4.4 Non-Empty Lists.pptx
+++ b/Slides/Lesson 4.4 Non-Empty Lists.pptx
@@ -255,7 +255,7 @@
             <a:fld id="{CF8F25F6-E1EF-4065-8525-42EDEBD9BD22}" type="datetimeFigureOut">
               <a:rPr lang="en-US" smtClean="0"/>
               <a:pPr/>
-              <a:t>8/3/2017</a:t>
+              <a:t>8/11/2017</a:t>
             </a:fld>
             <a:endParaRPr lang="en-US"/>
           </a:p>
@@ -1216,7 +1216,7 @@
           <a:p>
             <a:fld id="{2F1F79F5-7BEC-496A-AFC7-876E38F64D71}" type="datetime1">
               <a:rPr lang="en-US" smtClean="0"/>
-              <a:t>8/3/2017</a:t>
+              <a:t>8/11/2017</a:t>
             </a:fld>
             <a:endParaRPr lang="en-US"/>
           </a:p>
@@ -1311,7 +1311,7 @@
           <a:p>
             <a:fld id="{0A05703A-7669-4FEA-9056-25299B4D29D4}" type="datetime1">
               <a:rPr lang="en-US" smtClean="0"/>
-              <a:t>8/3/2017</a:t>
+              <a:t>8/11/2017</a:t>
             </a:fld>
             <a:endParaRPr lang="en-US"/>
           </a:p>
@@ -1586,7 +1586,7 @@
           <a:p>
             <a:fld id="{6E5077B5-BB57-49DB-88CA-226A139E5C01}" type="datetime1">
               <a:rPr lang="en-US" smtClean="0"/>
-              <a:t>8/3/2017</a:t>
+              <a:t>8/11/2017</a:t>
             </a:fld>
             <a:endParaRPr lang="en-US"/>
           </a:p>
@@ -1838,7 +1838,7 @@
           <a:p>
             <a:fld id="{C48D9447-CBD6-49A1-89FD-8512A8CF8999}" type="datetime1">
               <a:rPr lang="en-US" smtClean="0"/>
-              <a:t>8/3/2017</a:t>
+              <a:t>8/11/2017</a:t>
             </a:fld>
             <a:endParaRPr lang="en-US"/>
           </a:p>
@@ -2006,7 +2006,7 @@
           <a:p>
             <a:fld id="{A3639A2A-823D-48B7-9ACE-7FAF42870BA9}" type="datetime1">
               <a:rPr lang="en-US" smtClean="0"/>
-              <a:t>8/3/2017</a:t>
+              <a:t>8/11/2017</a:t>
             </a:fld>
             <a:endParaRPr lang="en-US"/>
           </a:p>
@@ -2184,7 +2184,7 @@
           <a:p>
             <a:fld id="{ED1B6996-82E9-463C-972C-7B56056E426C}" type="datetime1">
               <a:rPr lang="en-US" smtClean="0"/>
-              <a:t>8/3/2017</a:t>
+              <a:t>8/11/2017</a:t>
             </a:fld>
             <a:endParaRPr lang="en-US"/>
           </a:p>
@@ -2358,7 +2358,7 @@
           <a:p>
             <a:fld id="{E22ED4DA-448D-4BB1-B935-CC112220207B}" type="datetime1">
               <a:rPr lang="en-US" smtClean="0"/>
-              <a:t>8/3/2017</a:t>
+              <a:t>8/11/2017</a:t>
             </a:fld>
             <a:endParaRPr lang="en-US"/>
           </a:p>
@@ -2531,7 +2531,7 @@
           <a:p>
             <a:fld id="{E22ED4DA-448D-4BB1-B935-CC112220207B}" type="datetime1">
               <a:rPr lang="en-US" smtClean="0"/>
-              <a:t>8/3/2017</a:t>
+              <a:t>8/11/2017</a:t>
             </a:fld>
             <a:endParaRPr lang="en-US"/>
           </a:p>
@@ -2791,7 +2791,7 @@
           <a:p>
             <a:fld id="{FF5D65A6-AB94-4435-B0B7-3743215FA46C}" type="datetime1">
               <a:rPr lang="en-US" smtClean="0"/>
-              <a:t>8/3/2017</a:t>
+              <a:t>8/11/2017</a:t>
             </a:fld>
             <a:endParaRPr lang="en-US"/>
           </a:p>
@@ -2967,7 +2967,7 @@
           <a:p>
             <a:fld id="{FF5D65A6-AB94-4435-B0B7-3743215FA46C}" type="datetime1">
               <a:rPr lang="en-US" smtClean="0"/>
-              <a:t>8/3/2017</a:t>
+              <a:t>8/11/2017</a:t>
             </a:fld>
             <a:endParaRPr lang="en-US"/>
           </a:p>
@@ -3261,7 +3261,7 @@
           <a:p>
             <a:fld id="{7C193DC4-6EF0-48C9-B29C-616106A645E1}" type="datetime1">
               <a:rPr lang="en-US" smtClean="0"/>
-              <a:t>8/3/2017</a:t>
+              <a:t>8/11/2017</a:t>
             </a:fld>
             <a:endParaRPr lang="en-US"/>
           </a:p>
@@ -3546,7 +3546,7 @@
           <a:p>
             <a:fld id="{5D1846AD-9252-4647-9435-4C2AC365653A}" type="datetime1">
               <a:rPr lang="en-US" smtClean="0"/>
-              <a:t>8/3/2017</a:t>
+              <a:t>8/11/2017</a:t>
             </a:fld>
             <a:endParaRPr lang="en-US"/>
           </a:p>
@@ -3965,7 +3965,7 @@
           <a:p>
             <a:fld id="{CE56DC10-3561-4063-A6AF-C1CC7A41040A}" type="datetime1">
               <a:rPr lang="en-US" smtClean="0"/>
-              <a:t>8/3/2017</a:t>
+              <a:t>8/11/2017</a:t>
             </a:fld>
             <a:endParaRPr lang="en-US"/>
           </a:p>
@@ -4082,7 +4082,7 @@
           <a:p>
             <a:fld id="{2F7B77F5-1464-4F6B-92A8-64FC8A508293}" type="datetime1">
               <a:rPr lang="en-US" smtClean="0"/>
-              <a:t>8/3/2017</a:t>
+              <a:t>8/11/2017</a:t>
             </a:fld>
             <a:endParaRPr lang="en-US"/>
           </a:p>
@@ -4305,7 +4305,7 @@
           <a:p>
             <a:fld id="{02B3F677-983B-48DB-ADFD-63FE6CBC7FB2}" type="datetime1">
               <a:rPr lang="en-US" smtClean="0"/>
-              <a:t>8/3/2017</a:t>
+              <a:t>8/11/2017</a:t>
             </a:fld>
             <a:endParaRPr lang="en-US"/>
           </a:p>
@@ -7749,15 +7749,7 @@
           <a:p>
             <a:r>
               <a:rPr lang="en-US" dirty="0"/>
-              <a:t>The vast majority of problems </a:t>
-            </a:r>
-            <a:r>
-              <a:rPr lang="en-US"/>
-              <a:t>make sense </a:t>
-            </a:r>
-            <a:r>
-              <a:rPr lang="en-US" dirty="0"/>
-              <a:t>for the empty list.</a:t>
+              <a:t>The vast majority of problems make sense for the empty list.</a:t>
             </a:r>
           </a:p>
           <a:p>
@@ -7771,11 +7763,11 @@
             </a:r>
             <a:r>
               <a:rPr lang="en-US" dirty="0"/>
-              <a:t>in the form XList if that </a:t>
+              <a:t>in the form XList if </a:t>
             </a:r>
             <a:r>
               <a:rPr lang="en-US"/>
-              <a:t>make sense </a:t>
+              <a:t>that makes sense </a:t>
             </a:r>
             <a:r>
               <a:rPr lang="en-US" dirty="0"/>
@@ -8527,29 +8519,13 @@
           <a:p>
             <a:r>
               <a:rPr lang="en-US" dirty="0"/>
-              <a:t>For these problems, </a:t>
-            </a:r>
-            <a:r>
-              <a:rPr lang="en-US"/>
-              <a:t>the constructor </a:t>
-            </a:r>
+              <a:t>For these problems, the constructor and observer templates for lists don't make sense, either.</a:t>
+            </a:r>
+          </a:p>
+          <a:p>
             <a:r>
               <a:rPr lang="en-US" dirty="0"/>
-              <a:t>and observer templates for lists don't </a:t>
-            </a:r>
-            <a:r>
-              <a:rPr lang="en-US"/>
-              <a:t>make sense</a:t>
-            </a:r>
-            <a:r>
-              <a:rPr lang="en-US" dirty="0"/>
-              <a:t>, either.</a:t>
-            </a:r>
-          </a:p>
-          <a:p>
-            <a:r>
-              <a:rPr lang="en-US" dirty="0"/>
-              <a:t>For these problems, we can use a different data definition and that is suited for dealing with lists that are always non-empty.</a:t>
+              <a:t>For these problems, we can use a different data definition that is suited for dealing with lists that are always non-empty.</a:t>
             </a:r>
           </a:p>
           <a:p>
